--- a/Reports/Final-ppt.pptx
+++ b/Reports/Final-ppt.pptx
@@ -276,6 +276,11 @@
       </a:defRPr>
     </a:lvl9pPr>
   </p:defaultTextStyle>
+  <p:extLst>
+    <p:ext uri="{EFAFB233-063F-42B5-8137-9DF3F51BA10A}">
+      <p15:sldGuideLst xmlns:p15="http://schemas.microsoft.com/office/powerpoint/2012/main"/>
+    </p:ext>
+  </p:extLst>
 </p:presentation>
 </file>
 
@@ -8249,7 +8254,7 @@
                   </a:schemeClr>
                 </a:solidFill>
               </a:rPr>
-              <a:t>Chintan Bhimani A.(2019065903)</a:t>
+              <a:t>Chintan Bhimani A.(2020027632)</a:t>
             </a:r>
           </a:p>
           <a:p>
@@ -8266,27 +8271,7 @@
                   </a:schemeClr>
                 </a:solidFill>
               </a:rPr>
-              <a:t>Pratiksha </a:t>
-            </a:r>
-            <a:r>
-              <a:rPr lang="en-US" b="1" dirty="0" err="1">
-                <a:solidFill>
-                  <a:schemeClr val="bg2">
-                    <a:lumMod val="25000"/>
-                  </a:schemeClr>
-                </a:solidFill>
-              </a:rPr>
-              <a:t>Chopda</a:t>
-            </a:r>
-            <a:r>
-              <a:rPr lang="en-US" b="1" dirty="0">
-                <a:solidFill>
-                  <a:schemeClr val="bg2">
-                    <a:lumMod val="25000"/>
-                  </a:schemeClr>
-                </a:solidFill>
-              </a:rPr>
-              <a:t> B.(2019066012)</a:t>
+              <a:t>Pratiksha Chopda B.(2020027648)</a:t>
             </a:r>
           </a:p>
           <a:p>
@@ -8303,27 +8288,7 @@
                   </a:schemeClr>
                 </a:solidFill>
               </a:rPr>
-              <a:t>Jasmin </a:t>
-            </a:r>
-            <a:r>
-              <a:rPr lang="en-US" b="1" dirty="0" err="1">
-                <a:solidFill>
-                  <a:schemeClr val="bg2">
-                    <a:lumMod val="25000"/>
-                  </a:schemeClr>
-                </a:solidFill>
-              </a:rPr>
-              <a:t>Bhanderi</a:t>
-            </a:r>
-            <a:r>
-              <a:rPr lang="en-US" b="1" dirty="0">
-                <a:solidFill>
-                  <a:schemeClr val="bg2">
-                    <a:lumMod val="25000"/>
-                  </a:schemeClr>
-                </a:solidFill>
-              </a:rPr>
-              <a:t> V.(2019066023)</a:t>
+              <a:t>Jasmin Bhanderi V.(2020027629)</a:t>
             </a:r>
           </a:p>
           <a:p>
@@ -15198,7 +15163,7 @@
               <a:buNone/>
             </a:pPr>
             <a:r>
-              <a:rPr lang="en-US" sz="1200" kern="100" dirty="0">
+              <a:rPr lang="en-US" sz="1200" b="0" kern="100" dirty="0">
                 <a:effectLst/>
                 <a:latin typeface="Barlow" panose="020B0604020202020204" pitchFamily="2" charset="0"/>
                 <a:ea typeface="Calibri" panose="020F0502020204030204" pitchFamily="34" charset="0"/>
@@ -15206,7 +15171,7 @@
               </a:rPr>
               <a:t>The aim of this chapter is to draw conclusions of the work done or achieved and to give an assessment of the completed system, discuss the Problems faced, limitations of the system and give future recommendations on how the system can be improved. </a:t>
             </a:r>
-            <a:endParaRPr lang="en-US" sz="1200" kern="100" dirty="0">
+            <a:endParaRPr lang="en-US" sz="1200" b="0" kern="100" dirty="0">
               <a:latin typeface="Barlow" panose="020B0604020202020204" pitchFamily="2" charset="0"/>
               <a:ea typeface="Calibri" panose="020F0502020204030204" pitchFamily="34" charset="0"/>
               <a:cs typeface="Times New Roman" panose="02020603050405020304" pitchFamily="18" charset="0"/>
@@ -15225,7 +15190,7 @@
               </a:spcAft>
               <a:buNone/>
             </a:pPr>
-            <a:endParaRPr lang="en-US" sz="1200" kern="100" dirty="0">
+            <a:endParaRPr lang="en-US" sz="1200" b="0" kern="100" dirty="0">
               <a:effectLst/>
               <a:latin typeface="Barlow" panose="020B0604020202020204" pitchFamily="2" charset="0"/>
               <a:ea typeface="Calibri" panose="020F0502020204030204" pitchFamily="34" charset="0"/>
@@ -15246,7 +15211,7 @@
               <a:buNone/>
             </a:pPr>
             <a:r>
-              <a:rPr lang="en-US" sz="1200" kern="100" dirty="0">
+              <a:rPr lang="en-US" sz="1200" b="0" kern="100" dirty="0">
                 <a:effectLst/>
                 <a:latin typeface="Barlow" panose="020B0604020202020204" pitchFamily="2" charset="0"/>
                 <a:ea typeface="Calibri" panose="020F0502020204030204" pitchFamily="34" charset="0"/>

--- a/Reports/Final-ppt.pptx
+++ b/Reports/Final-ppt.pptx
@@ -40,7 +40,7 @@
   <p:notesSz cx="6858000" cy="9144000"/>
   <p:embeddedFontLst>
     <p:embeddedFont>
-      <p:font typeface="Barlow" panose="020B0604020202020204" pitchFamily="2" charset="0"/>
+      <p:font typeface="Barlow" panose="00000500000000000000" pitchFamily="2" charset="0"/>
       <p:regular r:id="rId30"/>
       <p:bold r:id="rId31"/>
       <p:italic r:id="rId32"/>
@@ -8128,8 +8128,8 @@
         </p:nvSpPr>
         <p:spPr>
           <a:xfrm>
-            <a:off x="2710225" y="1310850"/>
-            <a:ext cx="5476800" cy="2521800"/>
+            <a:off x="2249129" y="1310850"/>
+            <a:ext cx="6489290" cy="2259600"/>
           </a:xfrm>
           <a:prstGeom prst="rect">
             <a:avLst/>
@@ -8141,7 +8141,7 @@
           </a:bodyPr>
           <a:lstStyle/>
           <a:p>
-            <a:pPr marL="0" lvl="0" indent="0" algn="l" rtl="0">
+            <a:pPr marL="0" lvl="0" indent="0" rtl="0">
               <a:spcBef>
                 <a:spcPts val="0"/>
               </a:spcBef>
@@ -8152,9 +8152,9 @@
             </a:pPr>
             <a:r>
               <a:rPr lang="en-US" dirty="0"/>
-              <a:t>DREAM STUDIO 	ARCHITECTURE </a:t>
+              <a:t>DREAM STUDIO 	ARCHITECTURE</a:t>
             </a:r>
-            <a:endParaRPr dirty="0"/>
+            <a:endParaRPr sz="1400" dirty="0"/>
           </a:p>
         </p:txBody>
       </p:sp>
@@ -8172,8 +8172,8 @@
         </p:nvSpPr>
         <p:spPr>
           <a:xfrm>
-            <a:off x="74341" y="3152121"/>
-            <a:ext cx="3310053" cy="1991379"/>
+            <a:off x="0" y="3798452"/>
+            <a:ext cx="8302743" cy="1345048"/>
           </a:xfrm>
           <a:prstGeom prst="rect">
             <a:avLst/>
@@ -8201,7 +8201,7 @@
             <a:r>
               <a:rPr lang="en-US" b="1" dirty="0">
                 <a:solidFill>
-                  <a:schemeClr val="bg2">
+                  <a:schemeClr val="accent2">
                     <a:lumMod val="25000"/>
                   </a:schemeClr>
                 </a:solidFill>
@@ -8225,7 +8225,7 @@
             <a:r>
               <a:rPr lang="en-US" b="1" dirty="0">
                 <a:solidFill>
-                  <a:schemeClr val="bg2">
+                  <a:schemeClr val="accent2">
                     <a:lumMod val="25000"/>
                   </a:schemeClr>
                 </a:solidFill>
@@ -8249,12 +8249,12 @@
             <a:r>
               <a:rPr lang="en-US" b="1" dirty="0">
                 <a:solidFill>
-                  <a:schemeClr val="bg2">
+                  <a:schemeClr val="accent2">
                     <a:lumMod val="25000"/>
                   </a:schemeClr>
                 </a:solidFill>
               </a:rPr>
-              <a:t>Chintan Bhimani A.(2020027632)</a:t>
+              <a:t>Chintan Bhimani A.(3009), Pratiksha Chopda B.(3025) and Jasmin Bhanderi V.(3379)</a:t>
             </a:r>
           </a:p>
           <a:p>
@@ -8266,41 +8266,7 @@
             <a:r>
               <a:rPr lang="en-US" b="1" dirty="0">
                 <a:solidFill>
-                  <a:schemeClr val="bg2">
-                    <a:lumMod val="25000"/>
-                  </a:schemeClr>
-                </a:solidFill>
-              </a:rPr>
-              <a:t>Pratiksha Chopda B.(2020027648)</a:t>
-            </a:r>
-          </a:p>
-          <a:p>
-            <a:pPr marL="0" indent="0" algn="l">
-              <a:lnSpc>
-                <a:spcPct val="150000"/>
-              </a:lnSpc>
-            </a:pPr>
-            <a:r>
-              <a:rPr lang="en-US" b="1" dirty="0">
-                <a:solidFill>
-                  <a:schemeClr val="bg2">
-                    <a:lumMod val="25000"/>
-                  </a:schemeClr>
-                </a:solidFill>
-              </a:rPr>
-              <a:t>Jasmin Bhanderi V.(2020027629)</a:t>
-            </a:r>
-          </a:p>
-          <a:p>
-            <a:pPr marL="0" indent="0" algn="l">
-              <a:lnSpc>
-                <a:spcPct val="150000"/>
-              </a:lnSpc>
-            </a:pPr>
-            <a:r>
-              <a:rPr lang="en-US" b="1" dirty="0">
-                <a:solidFill>
-                  <a:schemeClr val="bg2">
+                  <a:schemeClr val="accent2">
                     <a:lumMod val="25000"/>
                   </a:schemeClr>
                 </a:solidFill>
@@ -8340,6 +8306,41 @@
           </a:prstGeom>
         </p:spPr>
       </p:pic>
+      <p:sp>
+        <p:nvSpPr>
+          <p:cNvPr id="2" name="TextBox 1">
+            <a:extLst>
+              <a:ext uri="{FF2B5EF4-FFF2-40B4-BE49-F238E27FC236}">
+                <a16:creationId xmlns:a16="http://schemas.microsoft.com/office/drawing/2014/main" id="{B0F5CC2A-88C4-4A19-3CB6-BD74F8F7D0D7}"/>
+              </a:ext>
+            </a:extLst>
+          </p:cNvPr>
+          <p:cNvSpPr txBox="1"/>
+          <p:nvPr/>
+        </p:nvSpPr>
+        <p:spPr>
+          <a:xfrm>
+            <a:off x="6474541" y="3570450"/>
+            <a:ext cx="3134033" cy="253916"/>
+          </a:xfrm>
+          <a:prstGeom prst="rect">
+            <a:avLst/>
+          </a:prstGeom>
+          <a:noFill/>
+        </p:spPr>
+        <p:txBody>
+          <a:bodyPr wrap="square" rtlCol="0">
+            <a:spAutoFit/>
+          </a:bodyPr>
+          <a:lstStyle/>
+          <a:p>
+            <a:r>
+              <a:rPr lang="en-US" sz="1050" dirty="0"/>
+              <a:t>COMPANY MANAGEMET SYSTEM</a:t>
+            </a:r>
+          </a:p>
+        </p:txBody>
+      </p:sp>
     </p:spTree>
   </p:cSld>
   <p:clrMapOvr>
